--- a/09-Strings-and-Text-Manipulations.pptx
+++ b/09-Strings-and-Text-Manipulations.pptx
@@ -3793,17 +3793,7 @@
                   </a:schemeClr>
                 </a:solidFill>
               </a:rPr>
-              <a:t>поддръжа </a:t>
-            </a:r>
-            <a:r>
-              <a:rPr lang="ru-RU" dirty="0" smtClean="0">
-                <a:solidFill>
-                  <a:schemeClr val="bg1">
-                    <a:lumMod val="95000"/>
-                  </a:schemeClr>
-                </a:solidFill>
-              </a:rPr>
-              <a:t>стрингови методи за търсене в символни низове:</a:t>
+              <a:t>поддръжа стрингови методи за търсене в символни низове:</a:t>
             </a:r>
           </a:p>
           <a:p>
@@ -4848,17 +4838,7 @@
                   </a:schemeClr>
                 </a:solidFill>
               </a:rPr>
-              <a:t>ubstring</a:t>
-            </a:r>
-            <a:r>
-              <a:rPr lang="en-US" b="1" dirty="0" smtClean="0">
-                <a:solidFill>
-                  <a:schemeClr val="bg1">
-                    <a:lumMod val="95000"/>
-                  </a:schemeClr>
-                </a:solidFill>
-              </a:rPr>
-              <a:t>()</a:t>
+              <a:t>ubstring()</a:t>
             </a:r>
             <a:r>
               <a:rPr lang="en-US" dirty="0" smtClean="0">
@@ -4914,17 +4894,7 @@
                   </a:schemeClr>
                 </a:solidFill>
               </a:rPr>
-              <a:t>ubstring</a:t>
-            </a:r>
-            <a:r>
-              <a:rPr lang="en-US" b="1" dirty="0" smtClean="0">
-                <a:solidFill>
-                  <a:schemeClr val="bg1">
-                    <a:lumMod val="95000"/>
-                  </a:schemeClr>
-                </a:solidFill>
-              </a:rPr>
-              <a:t>()</a:t>
+              <a:t>ubstring()</a:t>
             </a:r>
             <a:r>
               <a:rPr lang="en-US" dirty="0" smtClean="0">
@@ -5212,17 +5182,7 @@
                   </a:schemeClr>
                 </a:solidFill>
               </a:rPr>
-              <a:t>plit</a:t>
-            </a:r>
-            <a:r>
-              <a:rPr lang="ru-RU" b="1" dirty="0" smtClean="0">
-                <a:solidFill>
-                  <a:schemeClr val="bg1">
-                    <a:lumMod val="95000"/>
-                  </a:schemeClr>
-                </a:solidFill>
-              </a:rPr>
-              <a:t>()</a:t>
+              <a:t>plit()</a:t>
             </a:r>
             <a:endParaRPr lang="ru-RU" b="1" dirty="0">
               <a:solidFill>
@@ -5321,17 +5281,7 @@
                   </a:schemeClr>
                 </a:solidFill>
               </a:rPr>
-              <a:t>plit</a:t>
-            </a:r>
-            <a:r>
-              <a:rPr lang="ru-RU" b="1" dirty="0" smtClean="0">
-                <a:solidFill>
-                  <a:schemeClr val="bg1">
-                    <a:lumMod val="95000"/>
-                  </a:schemeClr>
-                </a:solidFill>
-              </a:rPr>
-              <a:t>()</a:t>
+              <a:t>plit()</a:t>
             </a:r>
             <a:r>
               <a:rPr lang="ru-RU" dirty="0" smtClean="0">
@@ -5763,17 +5713,17 @@
               <a:buChar char="§"/>
             </a:pPr>
             <a:r>
-              <a:rPr lang="en-US" b="1" dirty="0" smtClean="0">
-                <a:solidFill>
-                  <a:schemeClr val="bg1">
-                    <a:lumMod val="95000"/>
-                  </a:schemeClr>
-                </a:solidFill>
-              </a:rPr>
-              <a:t>t</a:t>
-            </a:r>
-            <a:r>
-              <a:rPr lang="ru-RU" b="1" dirty="0" smtClean="0">
+              <a:rPr lang="en-US" b="1" dirty="0">
+                <a:solidFill>
+                  <a:schemeClr val="bg1">
+                    <a:lumMod val="95000"/>
+                  </a:schemeClr>
+                </a:solidFill>
+              </a:rPr>
+              <a:t>T</a:t>
+            </a:r>
+            <a:r>
+              <a:rPr lang="ru-RU" b="1" smtClean="0">
                 <a:solidFill>
                   <a:schemeClr val="bg1">
                     <a:lumMod val="95000"/>
@@ -6851,15 +6801,7 @@
                   <a:schemeClr val="accent6"/>
                 </a:solidFill>
               </a:rPr>
-              <a:t>Четене на файлове </a:t>
-            </a:r>
-            <a:r>
-              <a:rPr lang="bg-BG" sz="4000" dirty="0" smtClean="0">
-                <a:solidFill>
-                  <a:schemeClr val="accent6"/>
-                </a:solidFill>
-              </a:rPr>
-              <a:t>(ред по ред)</a:t>
+              <a:t>Четене на файлове (ред по ред)</a:t>
             </a:r>
             <a:endParaRPr lang="bg-BG" sz="4000" dirty="0">
               <a:solidFill>
@@ -9027,6 +8969,13 @@
   <p:clrMapOvr>
     <a:masterClrMapping/>
   </p:clrMapOvr>
+  <p:timing>
+    <p:tnLst>
+      <p:par>
+        <p:cTn id="1" dur="indefinite" restart="never" nodeType="tmRoot"/>
+      </p:par>
+    </p:tnLst>
+  </p:timing>
 </p:sld>
 </file>
 
@@ -10805,11 +10754,6 @@
               </a:rPr>
               <a:t>В езика C# операторите == и != за символни низове работят чрез вът- решно извикване на Equals(…).</a:t>
             </a:r>
-            <a:endParaRPr lang="ru-RU" dirty="0">
-              <a:solidFill>
-                <a:schemeClr val="bg1"/>
-              </a:solidFill>
-            </a:endParaRPr>
           </a:p>
         </p:txBody>
       </p:sp>

--- a/09-Strings-and-Text-Manipulations.pptx
+++ b/09-Strings-and-Text-Manipulations.pptx
@@ -5723,7 +5723,7 @@
               <a:t>T</a:t>
             </a:r>
             <a:r>
-              <a:rPr lang="ru-RU" b="1" smtClean="0">
+              <a:rPr lang="ru-RU" b="1" dirty="0" smtClean="0">
                 <a:solidFill>
                   <a:schemeClr val="bg1">
                     <a:lumMod val="95000"/>
@@ -9832,31 +9832,18 @@
                   </a:schemeClr>
                 </a:solidFill>
               </a:rPr>
-              <a:t>ред в друг файл.  Използвайте файлови </a:t>
-            </a:r>
-            <a:r>
-              <a:rPr lang="ru-RU" sz="2400" dirty="0" smtClean="0">
-                <a:solidFill>
-                  <a:schemeClr val="bg1">
-                    <a:lumMod val="95000"/>
-                  </a:schemeClr>
-                </a:solidFill>
-              </a:rPr>
-              <a:t>диалози.</a:t>
-            </a:r>
-            <a:endParaRPr lang="ru-RU" sz="2400" dirty="0">
-              <a:solidFill>
-                <a:schemeClr val="bg1">
-                  <a:lumMod val="95000"/>
-                </a:schemeClr>
-              </a:solidFill>
-            </a:endParaRPr>
-          </a:p>
-          <a:p>
-            <a:pPr>
-              <a:buFont typeface="Wingdings" panose="05000000000000000000" pitchFamily="2" charset="2"/>
-              <a:buChar char="§"/>
-            </a:pPr>
+              <a:t>ред в друг файл</a:t>
+            </a:r>
+            <a:r>
+              <a:rPr lang="ru-RU" sz="2400">
+                <a:solidFill>
+                  <a:schemeClr val="bg1">
+                    <a:lumMod val="95000"/>
+                  </a:schemeClr>
+                </a:solidFill>
+              </a:rPr>
+              <a:t>. </a:t>
+            </a:r>
             <a:endParaRPr lang="ru-RU" sz="2400" dirty="0">
               <a:solidFill>
                 <a:schemeClr val="bg1">

--- a/09-Strings-and-Text-Manipulations.pptx
+++ b/09-Strings-and-Text-Manipulations.pptx
@@ -9832,25 +9832,8 @@
                   </a:schemeClr>
                 </a:solidFill>
               </a:rPr>
-              <a:t>ред в друг файл</a:t>
-            </a:r>
-            <a:r>
-              <a:rPr lang="ru-RU" sz="2400">
-                <a:solidFill>
-                  <a:schemeClr val="bg1">
-                    <a:lumMod val="95000"/>
-                  </a:schemeClr>
-                </a:solidFill>
-              </a:rPr>
-              <a:t>. </a:t>
-            </a:r>
-            <a:endParaRPr lang="ru-RU" sz="2400" dirty="0">
-              <a:solidFill>
-                <a:schemeClr val="bg1">
-                  <a:lumMod val="95000"/>
-                </a:schemeClr>
-              </a:solidFill>
-            </a:endParaRPr>
+              <a:t>ред в друг файл. </a:t>
+            </a:r>
           </a:p>
           <a:p>
             <a:pPr marL="0" indent="0">
